--- a/gitlab.pptx
+++ b/gitlab.pptx
@@ -114,7 +114,7 @@
   </p:defaultTextStyle>
   <p:extLst>
     <p:ext uri="{EFAFB233-063F-42B5-8137-9DF3F51BA10A}">
-      <p15:sldGuideLst xmlns="" xmlns:p15="http://schemas.microsoft.com/office/powerpoint/2012/main">
+      <p15:sldGuideLst xmlns:p15="http://schemas.microsoft.com/office/powerpoint/2012/main" xmlns="">
         <p15:guide id="1" orient="horz" pos="2160" userDrawn="1">
           <p15:clr>
             <a:srgbClr val="A4A3A4"/>
@@ -218,7 +218,7 @@
             <a:fld id="{05B1D5F9-199E-4B77-ACFB-0D659EE03F6C}" type="datetimeFigureOut">
               <a:rPr lang="zh-CN" altLang="en-US" smtClean="0"/>
               <a:pPr/>
-              <a:t>2018/5/27</a:t>
+              <a:t>2018/10/1</a:t>
             </a:fld>
             <a:endParaRPr lang="zh-CN" altLang="en-US"/>
           </a:p>
@@ -386,7 +386,7 @@
     </p:spTree>
     <p:extLst>
       <p:ext uri="{BB962C8B-B14F-4D97-AF65-F5344CB8AC3E}">
-        <p14:creationId xmlns="" xmlns:p14="http://schemas.microsoft.com/office/powerpoint/2010/main" val="4136795833"/>
+        <p14:creationId xmlns:p14="http://schemas.microsoft.com/office/powerpoint/2010/main" xmlns="" val="4136795833"/>
       </p:ext>
     </p:extLst>
   </p:cSld>
@@ -561,7 +561,7 @@
     </p:spTree>
     <p:extLst>
       <p:ext uri="{BB962C8B-B14F-4D97-AF65-F5344CB8AC3E}">
-        <p14:creationId xmlns="" xmlns:p14="http://schemas.microsoft.com/office/powerpoint/2010/main" val="2594768037"/>
+        <p14:creationId xmlns:p14="http://schemas.microsoft.com/office/powerpoint/2010/main" xmlns="" val="2594768037"/>
       </p:ext>
     </p:extLst>
   </p:cSld>
@@ -646,7 +646,7 @@
     </p:spTree>
     <p:extLst>
       <p:ext uri="{BB962C8B-B14F-4D97-AF65-F5344CB8AC3E}">
-        <p14:creationId xmlns="" xmlns:p14="http://schemas.microsoft.com/office/powerpoint/2010/main" val="2506518844"/>
+        <p14:creationId xmlns:p14="http://schemas.microsoft.com/office/powerpoint/2010/main" xmlns="" val="2506518844"/>
       </p:ext>
     </p:extLst>
   </p:cSld>
@@ -731,7 +731,7 @@
     </p:spTree>
     <p:extLst>
       <p:ext uri="{BB962C8B-B14F-4D97-AF65-F5344CB8AC3E}">
-        <p14:creationId xmlns="" xmlns:p14="http://schemas.microsoft.com/office/powerpoint/2010/main" val="2506518844"/>
+        <p14:creationId xmlns:p14="http://schemas.microsoft.com/office/powerpoint/2010/main" xmlns="" val="2506518844"/>
       </p:ext>
     </p:extLst>
   </p:cSld>
@@ -871,7 +871,7 @@
             <a:fld id="{91AD7F68-8E1B-45E2-8A27-5D5DEAAB1BF2}" type="datetimeFigureOut">
               <a:rPr lang="zh-CN" altLang="en-US" smtClean="0"/>
               <a:pPr/>
-              <a:t>2018/5/27</a:t>
+              <a:t>2018/10/1</a:t>
             </a:fld>
             <a:endParaRPr lang="zh-CN" altLang="en-US"/>
           </a:p>
@@ -923,7 +923,7 @@
     </p:spTree>
     <p:extLst>
       <p:ext uri="{BB962C8B-B14F-4D97-AF65-F5344CB8AC3E}">
-        <p14:creationId xmlns="" xmlns:p14="http://schemas.microsoft.com/office/powerpoint/2010/main" val="3379505774"/>
+        <p14:creationId xmlns:p14="http://schemas.microsoft.com/office/powerpoint/2010/main" xmlns="" val="3379505774"/>
       </p:ext>
     </p:extLst>
   </p:cSld>
@@ -931,7 +931,7 @@
     <a:masterClrMapping/>
   </p:clrMapOvr>
   <mc:AlternateContent xmlns:mc="http://schemas.openxmlformats.org/markup-compatibility/2006">
-    <mc:Choice xmlns="" xmlns:p14="http://schemas.microsoft.com/office/powerpoint/2010/main" Requires="p14">
+    <mc:Choice xmlns:p14="http://schemas.microsoft.com/office/powerpoint/2010/main" xmlns="" Requires="p14">
       <p:transition spd="slow" p14:dur="1500" advClick="0" advTm="0">
         <p:random/>
       </p:transition>
@@ -1053,7 +1053,7 @@
             <a:fld id="{91AD7F68-8E1B-45E2-8A27-5D5DEAAB1BF2}" type="datetimeFigureOut">
               <a:rPr lang="zh-CN" altLang="en-US" smtClean="0"/>
               <a:pPr/>
-              <a:t>2018/5/27</a:t>
+              <a:t>2018/10/1</a:t>
             </a:fld>
             <a:endParaRPr lang="zh-CN" altLang="en-US"/>
           </a:p>
@@ -1105,7 +1105,7 @@
     </p:spTree>
     <p:extLst>
       <p:ext uri="{BB962C8B-B14F-4D97-AF65-F5344CB8AC3E}">
-        <p14:creationId xmlns="" xmlns:p14="http://schemas.microsoft.com/office/powerpoint/2010/main" val="4292131042"/>
+        <p14:creationId xmlns:p14="http://schemas.microsoft.com/office/powerpoint/2010/main" xmlns="" val="4292131042"/>
       </p:ext>
     </p:extLst>
   </p:cSld>
@@ -1113,7 +1113,7 @@
     <a:masterClrMapping/>
   </p:clrMapOvr>
   <mc:AlternateContent xmlns:mc="http://schemas.openxmlformats.org/markup-compatibility/2006">
-    <mc:Choice xmlns="" xmlns:p14="http://schemas.microsoft.com/office/powerpoint/2010/main" Requires="p14">
+    <mc:Choice xmlns:p14="http://schemas.microsoft.com/office/powerpoint/2010/main" xmlns="" Requires="p14">
       <p:transition spd="slow" p14:dur="1500" advClick="0" advTm="0">
         <p:random/>
       </p:transition>
@@ -1245,7 +1245,7 @@
             <a:fld id="{91AD7F68-8E1B-45E2-8A27-5D5DEAAB1BF2}" type="datetimeFigureOut">
               <a:rPr lang="zh-CN" altLang="en-US" smtClean="0"/>
               <a:pPr/>
-              <a:t>2018/5/27</a:t>
+              <a:t>2018/10/1</a:t>
             </a:fld>
             <a:endParaRPr lang="zh-CN" altLang="en-US"/>
           </a:p>
@@ -1297,7 +1297,7 @@
     </p:spTree>
     <p:extLst>
       <p:ext uri="{BB962C8B-B14F-4D97-AF65-F5344CB8AC3E}">
-        <p14:creationId xmlns="" xmlns:p14="http://schemas.microsoft.com/office/powerpoint/2010/main" val="1952128637"/>
+        <p14:creationId xmlns:p14="http://schemas.microsoft.com/office/powerpoint/2010/main" xmlns="" val="1952128637"/>
       </p:ext>
     </p:extLst>
   </p:cSld>
@@ -1305,7 +1305,7 @@
     <a:masterClrMapping/>
   </p:clrMapOvr>
   <mc:AlternateContent xmlns:mc="http://schemas.openxmlformats.org/markup-compatibility/2006">
-    <mc:Choice xmlns="" xmlns:p14="http://schemas.microsoft.com/office/powerpoint/2010/main" Requires="p14">
+    <mc:Choice xmlns:p14="http://schemas.microsoft.com/office/powerpoint/2010/main" xmlns="" Requires="p14">
       <p:transition spd="slow" p14:dur="1500" advClick="0" advTm="0">
         <p:random/>
       </p:transition>
@@ -1427,7 +1427,7 @@
             <a:fld id="{91AD7F68-8E1B-45E2-8A27-5D5DEAAB1BF2}" type="datetimeFigureOut">
               <a:rPr lang="zh-CN" altLang="en-US" smtClean="0"/>
               <a:pPr/>
-              <a:t>2018/5/27</a:t>
+              <a:t>2018/10/1</a:t>
             </a:fld>
             <a:endParaRPr lang="zh-CN" altLang="en-US"/>
           </a:p>
@@ -1479,7 +1479,7 @@
     </p:spTree>
     <p:extLst>
       <p:ext uri="{BB962C8B-B14F-4D97-AF65-F5344CB8AC3E}">
-        <p14:creationId xmlns="" xmlns:p14="http://schemas.microsoft.com/office/powerpoint/2010/main" val="4173798514"/>
+        <p14:creationId xmlns:p14="http://schemas.microsoft.com/office/powerpoint/2010/main" xmlns="" val="4173798514"/>
       </p:ext>
     </p:extLst>
   </p:cSld>
@@ -1487,7 +1487,7 @@
     <a:masterClrMapping/>
   </p:clrMapOvr>
   <mc:AlternateContent xmlns:mc="http://schemas.openxmlformats.org/markup-compatibility/2006">
-    <mc:Choice xmlns="" xmlns:p14="http://schemas.microsoft.com/office/powerpoint/2010/main" Requires="p14">
+    <mc:Choice xmlns:p14="http://schemas.microsoft.com/office/powerpoint/2010/main" xmlns="" Requires="p14">
       <p:transition spd="slow" p14:dur="1500" advClick="0" advTm="0">
         <p:random/>
       </p:transition>
@@ -1686,7 +1686,7 @@
             <a:fld id="{91AD7F68-8E1B-45E2-8A27-5D5DEAAB1BF2}" type="datetimeFigureOut">
               <a:rPr lang="zh-CN" altLang="en-US" smtClean="0"/>
               <a:pPr/>
-              <a:t>2018/5/27</a:t>
+              <a:t>2018/10/1</a:t>
             </a:fld>
             <a:endParaRPr lang="zh-CN" altLang="en-US"/>
           </a:p>
@@ -1738,7 +1738,7 @@
     </p:spTree>
     <p:extLst>
       <p:ext uri="{BB962C8B-B14F-4D97-AF65-F5344CB8AC3E}">
-        <p14:creationId xmlns="" xmlns:p14="http://schemas.microsoft.com/office/powerpoint/2010/main" val="2343028950"/>
+        <p14:creationId xmlns:p14="http://schemas.microsoft.com/office/powerpoint/2010/main" xmlns="" val="2343028950"/>
       </p:ext>
     </p:extLst>
   </p:cSld>
@@ -1746,7 +1746,7 @@
     <a:masterClrMapping/>
   </p:clrMapOvr>
   <mc:AlternateContent xmlns:mc="http://schemas.openxmlformats.org/markup-compatibility/2006">
-    <mc:Choice xmlns="" xmlns:p14="http://schemas.microsoft.com/office/powerpoint/2010/main" Requires="p14">
+    <mc:Choice xmlns:p14="http://schemas.microsoft.com/office/powerpoint/2010/main" xmlns="" Requires="p14">
       <p:transition spd="slow" p14:dur="1500" advClick="0" advTm="0">
         <p:random/>
       </p:transition>
@@ -1929,7 +1929,7 @@
             <a:fld id="{91AD7F68-8E1B-45E2-8A27-5D5DEAAB1BF2}" type="datetimeFigureOut">
               <a:rPr lang="zh-CN" altLang="en-US" smtClean="0"/>
               <a:pPr/>
-              <a:t>2018/5/27</a:t>
+              <a:t>2018/10/1</a:t>
             </a:fld>
             <a:endParaRPr lang="zh-CN" altLang="en-US"/>
           </a:p>
@@ -1981,7 +1981,7 @@
     </p:spTree>
     <p:extLst>
       <p:ext uri="{BB962C8B-B14F-4D97-AF65-F5344CB8AC3E}">
-        <p14:creationId xmlns="" xmlns:p14="http://schemas.microsoft.com/office/powerpoint/2010/main" val="1951757828"/>
+        <p14:creationId xmlns:p14="http://schemas.microsoft.com/office/powerpoint/2010/main" xmlns="" val="1951757828"/>
       </p:ext>
     </p:extLst>
   </p:cSld>
@@ -1989,7 +1989,7 @@
     <a:masterClrMapping/>
   </p:clrMapOvr>
   <mc:AlternateContent xmlns:mc="http://schemas.openxmlformats.org/markup-compatibility/2006">
-    <mc:Choice xmlns="" xmlns:p14="http://schemas.microsoft.com/office/powerpoint/2010/main" Requires="p14">
+    <mc:Choice xmlns:p14="http://schemas.microsoft.com/office/powerpoint/2010/main" xmlns="" Requires="p14">
       <p:transition spd="slow" p14:dur="1500" advClick="0" advTm="0">
         <p:random/>
       </p:transition>
@@ -2307,7 +2307,7 @@
             <a:fld id="{91AD7F68-8E1B-45E2-8A27-5D5DEAAB1BF2}" type="datetimeFigureOut">
               <a:rPr lang="zh-CN" altLang="en-US" smtClean="0"/>
               <a:pPr/>
-              <a:t>2018/5/27</a:t>
+              <a:t>2018/10/1</a:t>
             </a:fld>
             <a:endParaRPr lang="zh-CN" altLang="en-US"/>
           </a:p>
@@ -2359,7 +2359,7 @@
     </p:spTree>
     <p:extLst>
       <p:ext uri="{BB962C8B-B14F-4D97-AF65-F5344CB8AC3E}">
-        <p14:creationId xmlns="" xmlns:p14="http://schemas.microsoft.com/office/powerpoint/2010/main" val="3785743930"/>
+        <p14:creationId xmlns:p14="http://schemas.microsoft.com/office/powerpoint/2010/main" xmlns="" val="3785743930"/>
       </p:ext>
     </p:extLst>
   </p:cSld>
@@ -2367,7 +2367,7 @@
     <a:masterClrMapping/>
   </p:clrMapOvr>
   <mc:AlternateContent xmlns:mc="http://schemas.openxmlformats.org/markup-compatibility/2006">
-    <mc:Choice xmlns="" xmlns:p14="http://schemas.microsoft.com/office/powerpoint/2010/main" Requires="p14">
+    <mc:Choice xmlns:p14="http://schemas.microsoft.com/office/powerpoint/2010/main" xmlns="" Requires="p14">
       <p:transition spd="slow" p14:dur="1500" advClick="0" advTm="0">
         <p:random/>
       </p:transition>
@@ -2438,7 +2438,7 @@
             <a:fld id="{91AD7F68-8E1B-45E2-8A27-5D5DEAAB1BF2}" type="datetimeFigureOut">
               <a:rPr lang="zh-CN" altLang="en-US" smtClean="0"/>
               <a:pPr/>
-              <a:t>2018/5/27</a:t>
+              <a:t>2018/10/1</a:t>
             </a:fld>
             <a:endParaRPr lang="zh-CN" altLang="en-US"/>
           </a:p>
@@ -2490,7 +2490,7 @@
     </p:spTree>
     <p:extLst>
       <p:ext uri="{BB962C8B-B14F-4D97-AF65-F5344CB8AC3E}">
-        <p14:creationId xmlns="" xmlns:p14="http://schemas.microsoft.com/office/powerpoint/2010/main" val="1272998583"/>
+        <p14:creationId xmlns:p14="http://schemas.microsoft.com/office/powerpoint/2010/main" xmlns="" val="1272998583"/>
       </p:ext>
     </p:extLst>
   </p:cSld>
@@ -2498,7 +2498,7 @@
     <a:masterClrMapping/>
   </p:clrMapOvr>
   <mc:AlternateContent xmlns:mc="http://schemas.openxmlformats.org/markup-compatibility/2006">
-    <mc:Choice xmlns="" xmlns:p14="http://schemas.microsoft.com/office/powerpoint/2010/main" Requires="p14">
+    <mc:Choice xmlns:p14="http://schemas.microsoft.com/office/powerpoint/2010/main" xmlns="" Requires="p14">
       <p:transition spd="slow" p14:dur="1500" advClick="0" advTm="0">
         <p:random/>
       </p:transition>
@@ -2547,7 +2547,7 @@
             <a:fld id="{91AD7F68-8E1B-45E2-8A27-5D5DEAAB1BF2}" type="datetimeFigureOut">
               <a:rPr lang="zh-CN" altLang="en-US" smtClean="0"/>
               <a:pPr/>
-              <a:t>2018/5/27</a:t>
+              <a:t>2018/10/1</a:t>
             </a:fld>
             <a:endParaRPr lang="zh-CN" altLang="en-US"/>
           </a:p>
@@ -2599,7 +2599,7 @@
     </p:spTree>
     <p:extLst>
       <p:ext uri="{BB962C8B-B14F-4D97-AF65-F5344CB8AC3E}">
-        <p14:creationId xmlns="" xmlns:p14="http://schemas.microsoft.com/office/powerpoint/2010/main" val="2103091704"/>
+        <p14:creationId xmlns:p14="http://schemas.microsoft.com/office/powerpoint/2010/main" xmlns="" val="2103091704"/>
       </p:ext>
     </p:extLst>
   </p:cSld>
@@ -2607,7 +2607,7 @@
     <a:masterClrMapping/>
   </p:clrMapOvr>
   <mc:AlternateContent xmlns:mc="http://schemas.openxmlformats.org/markup-compatibility/2006">
-    <mc:Choice xmlns="" xmlns:p14="http://schemas.microsoft.com/office/powerpoint/2010/main" Requires="p14">
+    <mc:Choice xmlns:p14="http://schemas.microsoft.com/office/powerpoint/2010/main" xmlns="" Requires="p14">
       <p:transition spd="slow" p14:dur="1500" advClick="0" advTm="0">
         <p:random/>
       </p:transition>
@@ -2836,7 +2836,7 @@
             <a:fld id="{91AD7F68-8E1B-45E2-8A27-5D5DEAAB1BF2}" type="datetimeFigureOut">
               <a:rPr lang="zh-CN" altLang="en-US" smtClean="0"/>
               <a:pPr/>
-              <a:t>2018/5/27</a:t>
+              <a:t>2018/10/1</a:t>
             </a:fld>
             <a:endParaRPr lang="zh-CN" altLang="en-US"/>
           </a:p>
@@ -2888,7 +2888,7 @@
     </p:spTree>
     <p:extLst>
       <p:ext uri="{BB962C8B-B14F-4D97-AF65-F5344CB8AC3E}">
-        <p14:creationId xmlns="" xmlns:p14="http://schemas.microsoft.com/office/powerpoint/2010/main" val="2275436477"/>
+        <p14:creationId xmlns:p14="http://schemas.microsoft.com/office/powerpoint/2010/main" xmlns="" val="2275436477"/>
       </p:ext>
     </p:extLst>
   </p:cSld>
@@ -2896,7 +2896,7 @@
     <a:masterClrMapping/>
   </p:clrMapOvr>
   <mc:AlternateContent xmlns:mc="http://schemas.openxmlformats.org/markup-compatibility/2006">
-    <mc:Choice xmlns="" xmlns:p14="http://schemas.microsoft.com/office/powerpoint/2010/main" Requires="p14">
+    <mc:Choice xmlns:p14="http://schemas.microsoft.com/office/powerpoint/2010/main" xmlns="" Requires="p14">
       <p:transition spd="slow" p14:dur="1500" advClick="0" advTm="0">
         <p:random/>
       </p:transition>
@@ -3102,7 +3102,7 @@
             <a:fld id="{91AD7F68-8E1B-45E2-8A27-5D5DEAAB1BF2}" type="datetimeFigureOut">
               <a:rPr lang="zh-CN" altLang="en-US" smtClean="0"/>
               <a:pPr/>
-              <a:t>2018/5/27</a:t>
+              <a:t>2018/10/1</a:t>
             </a:fld>
             <a:endParaRPr lang="zh-CN" altLang="en-US"/>
           </a:p>
@@ -3154,7 +3154,7 @@
     </p:spTree>
     <p:extLst>
       <p:ext uri="{BB962C8B-B14F-4D97-AF65-F5344CB8AC3E}">
-        <p14:creationId xmlns="" xmlns:p14="http://schemas.microsoft.com/office/powerpoint/2010/main" val="2724821356"/>
+        <p14:creationId xmlns:p14="http://schemas.microsoft.com/office/powerpoint/2010/main" xmlns="" val="2724821356"/>
       </p:ext>
     </p:extLst>
   </p:cSld>
@@ -3162,7 +3162,7 @@
     <a:masterClrMapping/>
   </p:clrMapOvr>
   <mc:AlternateContent xmlns:mc="http://schemas.openxmlformats.org/markup-compatibility/2006">
-    <mc:Choice xmlns="" xmlns:p14="http://schemas.microsoft.com/office/powerpoint/2010/main" Requires="p14">
+    <mc:Choice xmlns:p14="http://schemas.microsoft.com/office/powerpoint/2010/main" xmlns="" Requires="p14">
       <p:transition spd="slow" p14:dur="1500" advClick="0" advTm="0">
         <p:random/>
       </p:transition>
@@ -3327,7 +3327,7 @@
             <a:fld id="{91AD7F68-8E1B-45E2-8A27-5D5DEAAB1BF2}" type="datetimeFigureOut">
               <a:rPr lang="zh-CN" altLang="en-US" smtClean="0"/>
               <a:pPr/>
-              <a:t>2018/5/27</a:t>
+              <a:t>2018/10/1</a:t>
             </a:fld>
             <a:endParaRPr lang="zh-CN" altLang="en-US"/>
           </a:p>
@@ -3415,7 +3415,7 @@
     </p:spTree>
     <p:extLst>
       <p:ext uri="{BB962C8B-B14F-4D97-AF65-F5344CB8AC3E}">
-        <p14:creationId xmlns="" xmlns:p14="http://schemas.microsoft.com/office/powerpoint/2010/main" val="666783823"/>
+        <p14:creationId xmlns:p14="http://schemas.microsoft.com/office/powerpoint/2010/main" xmlns="" val="666783823"/>
       </p:ext>
     </p:extLst>
   </p:cSld>
@@ -3434,7 +3434,7 @@
     <p:sldLayoutId id="2147483659" r:id="rId11"/>
   </p:sldLayoutIdLst>
   <mc:AlternateContent xmlns:mc="http://schemas.openxmlformats.org/markup-compatibility/2006">
-    <mc:Choice xmlns="" xmlns:p14="http://schemas.microsoft.com/office/powerpoint/2010/main" Requires="p14">
+    <mc:Choice xmlns:p14="http://schemas.microsoft.com/office/powerpoint/2010/main" xmlns="" Requires="p14">
       <p:transition spd="slow" p14:dur="1500" advClick="0" advTm="0">
         <p:random/>
       </p:transition>
@@ -3757,7 +3757,7 @@
           <a:blip r:embed="rId3" cstate="print">
             <a:extLst>
               <a:ext uri="{28A0092B-C50C-407E-A947-70E740481C1C}">
-                <a14:useLocalDpi xmlns="" xmlns:a14="http://schemas.microsoft.com/office/drawing/2010/main"/>
+                <a14:useLocalDpi xmlns:a14="http://schemas.microsoft.com/office/drawing/2010/main" xmlns=""/>
               </a:ext>
             </a:extLst>
           </a:blip>
@@ -9331,7 +9331,7 @@
           <p:cNvPr id="9" name="TextBox 8">
             <a:extLst>
               <a:ext uri="{FF2B5EF4-FFF2-40B4-BE49-F238E27FC236}">
-                <a16:creationId xmlns="" xmlns:a16="http://schemas.microsoft.com/office/drawing/2014/main" id="{73C77ED2-C357-47B7-8381-585C44BF2B89}"/>
+                <a16:creationId xmlns:a16="http://schemas.microsoft.com/office/drawing/2014/main" xmlns="" id="{73C77ED2-C357-47B7-8381-585C44BF2B89}"/>
               </a:ext>
             </a:extLst>
           </p:cNvPr>
@@ -9378,7 +9378,7 @@
     </p:spTree>
     <p:extLst>
       <p:ext uri="{BB962C8B-B14F-4D97-AF65-F5344CB8AC3E}">
-        <p14:creationId xmlns="" xmlns:p14="http://schemas.microsoft.com/office/powerpoint/2010/main" val="656483861"/>
+        <p14:creationId xmlns:p14="http://schemas.microsoft.com/office/powerpoint/2010/main" xmlns="" val="656483861"/>
       </p:ext>
     </p:extLst>
   </p:cSld>
@@ -9386,7 +9386,7 @@
     <a:masterClrMapping/>
   </p:clrMapOvr>
   <mc:AlternateContent xmlns:mc="http://schemas.openxmlformats.org/markup-compatibility/2006">
-    <mc:Choice xmlns="" xmlns:p14="http://schemas.microsoft.com/office/powerpoint/2010/main" Requires="p14">
+    <mc:Choice xmlns:p14="http://schemas.microsoft.com/office/powerpoint/2010/main" xmlns="" Requires="p14">
       <p:transition spd="slow" p14:dur="1500">
         <p:random/>
       </p:transition>
@@ -9950,7 +9950,7 @@
         <p:spPr>
           <a:xfrm>
             <a:off x="853440" y="929640"/>
-            <a:ext cx="10685939" cy="4093428"/>
+            <a:ext cx="10685939" cy="6063198"/>
           </a:xfrm>
           <a:prstGeom prst="rect">
             <a:avLst/>
@@ -10083,38 +10083,77 @@
               <a:rPr lang="en-US" altLang="zh-CN" sz="3200" dirty="0" smtClean="0"/>
               <a:t> </a:t>
             </a:r>
+          </a:p>
+          <a:p>
             <a:endParaRPr lang="en-US" altLang="zh-CN" sz="3200" dirty="0" smtClean="0"/>
           </a:p>
           <a:p>
+            <a:r>
+              <a:rPr lang="en-US" altLang="zh-CN" sz="3200" dirty="0" err="1" smtClean="0"/>
+              <a:t>sudo</a:t>
+            </a:r>
+            <a:r>
+              <a:rPr lang="en-US" altLang="zh-CN" sz="3200" dirty="0" smtClean="0"/>
+              <a:t> yum install postfix </a:t>
+            </a:r>
+            <a:endParaRPr lang="en-US" altLang="zh-CN" sz="3200" dirty="0" smtClean="0"/>
+          </a:p>
+          <a:p>
+            <a:r>
+              <a:rPr lang="en-US" altLang="zh-CN" sz="3200" dirty="0" err="1" smtClean="0"/>
+              <a:t>sudo</a:t>
+            </a:r>
+            <a:r>
+              <a:rPr lang="en-US" altLang="zh-CN" sz="3200" dirty="0" smtClean="0"/>
+              <a:t> </a:t>
+            </a:r>
+            <a:r>
+              <a:rPr lang="en-US" altLang="zh-CN" sz="3200" dirty="0" err="1" smtClean="0"/>
+              <a:t>systemctl</a:t>
+            </a:r>
+            <a:r>
+              <a:rPr lang="en-US" altLang="zh-CN" sz="3200" dirty="0" smtClean="0"/>
+              <a:t> enable postfix </a:t>
+            </a:r>
+            <a:endParaRPr lang="en-US" altLang="zh-CN" sz="3200" dirty="0" smtClean="0"/>
+          </a:p>
+          <a:p>
+            <a:r>
+              <a:rPr lang="en-US" altLang="zh-CN" sz="3200" dirty="0" err="1" smtClean="0"/>
+              <a:t>sudo</a:t>
+            </a:r>
+            <a:r>
+              <a:rPr lang="en-US" altLang="zh-CN" sz="3200" dirty="0" smtClean="0"/>
+              <a:t> </a:t>
+            </a:r>
+            <a:r>
+              <a:rPr lang="en-US" altLang="zh-CN" sz="3200" dirty="0" err="1" smtClean="0"/>
+              <a:t>systemctl</a:t>
+            </a:r>
+            <a:r>
+              <a:rPr lang="en-US" altLang="zh-CN" sz="3200" dirty="0" smtClean="0"/>
+              <a:t> start postfix </a:t>
+            </a:r>
+            <a:endParaRPr lang="en-US" altLang="zh-CN" sz="3200" dirty="0" smtClean="0"/>
+          </a:p>
+          <a:p>
             <a:endParaRPr lang="en-US" altLang="zh-CN" sz="2800" dirty="0" smtClean="0"/>
           </a:p>
           <a:p>
             <a:r>
               <a:rPr lang="en-US" altLang="zh-CN" sz="2200" dirty="0" smtClean="0"/>
-              <a:t>curl https://packages.gitlab.com/install/repositories/gitlab/gitlab-ee/script.rpm.sh | </a:t>
+              <a:t>curl </a:t>
             </a:r>
             <a:r>
               <a:rPr lang="en-US" altLang="zh-CN" sz="2200" dirty="0" smtClean="0"/>
-              <a:t>bash </a:t>
-            </a:r>
-            <a:r>
-              <a:rPr lang="en-US" altLang="zh-CN" sz="2200" dirty="0" smtClean="0"/>
-              <a:t/>
+              <a:t>https://packages.gitlab.com/install/repositories/gitlab/gitlab-ee/script.rpm.sh | bash </a:t>
             </a:r>
             <a:br>
               <a:rPr lang="en-US" altLang="zh-CN" sz="2200" dirty="0" smtClean="0"/>
             </a:br>
             <a:r>
               <a:rPr lang="en-US" altLang="zh-CN" sz="3200" dirty="0" smtClean="0"/>
-              <a:t>EXTERNAL_URL="http</a:t>
-            </a:r>
-            <a:r>
-              <a:rPr lang="en-US" altLang="zh-CN" sz="3200" dirty="0" smtClean="0"/>
-              <a:t>://192.168.1.200" </a:t>
-            </a:r>
-            <a:r>
-              <a:rPr lang="en-US" altLang="zh-CN" sz="3200" dirty="0" smtClean="0"/>
-              <a:t>yum install -y </a:t>
+              <a:t>EXTERNAL_URL="http://192.168.1.200" yum install -y </a:t>
             </a:r>
             <a:r>
               <a:rPr lang="en-US" altLang="zh-CN" sz="3200" dirty="0" err="1" smtClean="0"/>
@@ -10134,7 +10173,7 @@
     </p:spTree>
     <p:extLst>
       <p:ext uri="{BB962C8B-B14F-4D97-AF65-F5344CB8AC3E}">
-        <p14:creationId xmlns="" xmlns:p14="http://schemas.microsoft.com/office/powerpoint/2010/main" val="264814506"/>
+        <p14:creationId xmlns:p14="http://schemas.microsoft.com/office/powerpoint/2010/main" xmlns="" val="264814506"/>
       </p:ext>
     </p:extLst>
   </p:cSld>
@@ -10142,7 +10181,7 @@
     <a:masterClrMapping/>
   </p:clrMapOvr>
   <mc:AlternateContent xmlns:mc="http://schemas.openxmlformats.org/markup-compatibility/2006">
-    <mc:Choice xmlns="" xmlns:p14="http://schemas.microsoft.com/office/powerpoint/2010/main" Requires="p14">
+    <mc:Choice xmlns:p14="http://schemas.microsoft.com/office/powerpoint/2010/main" xmlns="" Requires="p14">
       <p:transition spd="slow" p14:dur="1500">
         <p:random/>
       </p:transition>
@@ -10652,7 +10691,7 @@
         <p:spPr>
           <a:xfrm>
             <a:off x="1051560" y="990600"/>
-            <a:ext cx="2744085" cy="646331"/>
+            <a:ext cx="3205749" cy="1477328"/>
           </a:xfrm>
           <a:prstGeom prst="rect">
             <a:avLst/>
@@ -10666,6 +10705,10 @@
           <a:lstStyle/>
           <a:p>
             <a:r>
+              <a:rPr lang="zh-CN" altLang="en-US" dirty="0" smtClean="0"/>
+              <a:t>访问</a:t>
+            </a:r>
+            <a:r>
               <a:rPr lang="en-US" altLang="zh-CN" dirty="0" smtClean="0"/>
               <a:t>URL    </a:t>
             </a:r>
@@ -10673,7 +10716,41 @@
               <a:rPr lang="en-US" altLang="zh-CN" dirty="0" smtClean="0">
                 <a:hlinkClick r:id="rId3"/>
               </a:rPr>
-              <a:t>http://192.168.1.200</a:t>
+              <a:t>http://</a:t>
+            </a:r>
+            <a:r>
+              <a:rPr lang="en-US" altLang="zh-CN" dirty="0" smtClean="0">
+                <a:hlinkClick r:id="rId3"/>
+              </a:rPr>
+              <a:t>192.168.1.200</a:t>
+            </a:r>
+            <a:endParaRPr lang="en-US" altLang="zh-CN" dirty="0" smtClean="0"/>
+          </a:p>
+          <a:p>
+            <a:r>
+              <a:rPr lang="zh-CN" altLang="en-US" dirty="0" smtClean="0"/>
+              <a:t>默认用户：</a:t>
+            </a:r>
+            <a:r>
+              <a:rPr lang="en-US" altLang="zh-CN" dirty="0" smtClean="0"/>
+              <a:t>root</a:t>
+            </a:r>
+          </a:p>
+          <a:p>
+            <a:r>
+              <a:rPr lang="zh-CN" altLang="en-US" dirty="0" smtClean="0"/>
+              <a:t>设置密码：</a:t>
+            </a:r>
+            <a:r>
+              <a:rPr lang="en-US" altLang="zh-CN" dirty="0" err="1" smtClean="0"/>
+              <a:t>rootadmin</a:t>
+            </a:r>
+            <a:endParaRPr lang="en-US" altLang="zh-CN" dirty="0" smtClean="0"/>
+          </a:p>
+          <a:p>
+            <a:r>
+              <a:rPr lang="zh-CN" altLang="en-US" smtClean="0"/>
+              <a:t>登陆</a:t>
             </a:r>
             <a:endParaRPr lang="en-US" altLang="zh-CN" dirty="0" smtClean="0"/>
           </a:p>
@@ -10685,7 +10762,7 @@
     </p:spTree>
     <p:extLst>
       <p:ext uri="{BB962C8B-B14F-4D97-AF65-F5344CB8AC3E}">
-        <p14:creationId xmlns="" xmlns:p14="http://schemas.microsoft.com/office/powerpoint/2010/main" val="264814506"/>
+        <p14:creationId xmlns:p14="http://schemas.microsoft.com/office/powerpoint/2010/main" xmlns="" val="264814506"/>
       </p:ext>
     </p:extLst>
   </p:cSld>
@@ -10693,7 +10770,7 @@
     <a:masterClrMapping/>
   </p:clrMapOvr>
   <mc:AlternateContent xmlns:mc="http://schemas.openxmlformats.org/markup-compatibility/2006">
-    <mc:Choice xmlns="" xmlns:p14="http://schemas.microsoft.com/office/powerpoint/2010/main" Requires="p14">
+    <mc:Choice xmlns:p14="http://schemas.microsoft.com/office/powerpoint/2010/main" xmlns="" Requires="p14">
       <p:transition spd="slow" p14:dur="1500">
         <p:random/>
       </p:transition>
@@ -11223,7 +11300,7 @@
   <a:extraClrSchemeLst/>
   <a:extLst>
     <a:ext uri="{05A4C25C-085E-4340-85A3-A5531E510DB2}">
-      <thm15:themeFamily xmlns="" xmlns:thm15="http://schemas.microsoft.com/office/thememl/2012/main" name="Office Theme" id="{62F939B6-93AF-4DB8-9C6B-D6C7DFDC589F}" vid="{4A3C46E8-61CC-4603-A589-7422A47A8E4A}"/>
+      <thm15:themeFamily xmlns:thm15="http://schemas.microsoft.com/office/thememl/2012/main" xmlns="" name="Office Theme" id="{62F939B6-93AF-4DB8-9C6B-D6C7DFDC589F}" vid="{4A3C46E8-61CC-4603-A589-7422A47A8E4A}"/>
     </a:ext>
   </a:extLst>
 </a:theme>
@@ -11484,7 +11561,7 @@
   <a:extraClrSchemeLst/>
   <a:extLst>
     <a:ext uri="{05A4C25C-085E-4340-85A3-A5531E510DB2}">
-      <thm15:themeFamily xmlns="" xmlns:thm15="http://schemas.microsoft.com/office/thememl/2012/main" name="Office Theme" id="{62F939B6-93AF-4DB8-9C6B-D6C7DFDC589F}" vid="{4A3C46E8-61CC-4603-A589-7422A47A8E4A}"/>
+      <thm15:themeFamily xmlns:thm15="http://schemas.microsoft.com/office/thememl/2012/main" xmlns="" name="Office Theme" id="{62F939B6-93AF-4DB8-9C6B-D6C7DFDC589F}" vid="{4A3C46E8-61CC-4603-A589-7422A47A8E4A}"/>
     </a:ext>
   </a:extLst>
 </a:theme>
